--- a/Project_001/MEMO.pptx
+++ b/Project_001/MEMO.pptx
@@ -3939,6 +3939,92 @@
           <a:chExt cx="0" cy="0"/>
         </a:xfrm>
       </p:grpSpPr>
+      <p:pic>
+        <p:nvPicPr>
+          <p:cNvPr id="3" name="Picture 2">
+            <a:extLst>
+              <a:ext uri="{FF2B5EF4-FFF2-40B4-BE49-F238E27FC236}">
+                <a16:creationId xmlns:a16="http://schemas.microsoft.com/office/drawing/2014/main" id="{283ED4B2-BEE7-4A88-C777-6B8901FF3F0F}"/>
+              </a:ext>
+            </a:extLst>
+          </p:cNvPr>
+          <p:cNvPicPr>
+            <a:picLocks noChangeAspect="1"/>
+          </p:cNvPicPr>
+          <p:nvPr/>
+        </p:nvPicPr>
+        <p:blipFill>
+          <a:blip r:embed="rId2"/>
+          <a:stretch>
+            <a:fillRect/>
+          </a:stretch>
+        </p:blipFill>
+        <p:spPr>
+          <a:xfrm>
+            <a:off x="3168880" y="1975103"/>
+            <a:ext cx="8556776" cy="3688351"/>
+          </a:xfrm>
+          <a:prstGeom prst="rect">
+            <a:avLst/>
+          </a:prstGeom>
+        </p:spPr>
+      </p:pic>
+      <p:sp>
+        <p:nvSpPr>
+          <p:cNvPr id="4" name="TextBox 3">
+            <a:extLst>
+              <a:ext uri="{FF2B5EF4-FFF2-40B4-BE49-F238E27FC236}">
+                <a16:creationId xmlns:a16="http://schemas.microsoft.com/office/drawing/2014/main" id="{11AA8856-3B60-FD5C-8739-FCCB114FE338}"/>
+              </a:ext>
+            </a:extLst>
+          </p:cNvPr>
+          <p:cNvSpPr txBox="1"/>
+          <p:nvPr/>
+        </p:nvSpPr>
+        <p:spPr>
+          <a:xfrm>
+            <a:off x="272931" y="292608"/>
+            <a:ext cx="5823069" cy="646331"/>
+          </a:xfrm>
+          <a:prstGeom prst="rect">
+            <a:avLst/>
+          </a:prstGeom>
+          <a:noFill/>
+        </p:spPr>
+        <p:txBody>
+          <a:bodyPr wrap="none" rtlCol="0">
+            <a:spAutoFit/>
+          </a:bodyPr>
+          <a:lstStyle/>
+          <a:p>
+            <a:r>
+              <a:rPr lang="en-US" dirty="0"/>
+              <a:t>1.Git </a:t>
+            </a:r>
+            <a:r>
+              <a:rPr lang="en-US" dirty="0" err="1"/>
+              <a:t>init</a:t>
+            </a:r>
+            <a:r>
+              <a:rPr lang="en-US" dirty="0"/>
+              <a:t> on VS code  ==&gt; commit and wait</a:t>
+            </a:r>
+          </a:p>
+          <a:p>
+            <a:r>
+              <a:rPr lang="en-US" dirty="0"/>
+              <a:t>2.Pust git branch or put to remote </a:t>
+            </a:r>
+            <a:r>
+              <a:rPr lang="en-US" dirty="0">
+                <a:sym typeface="Wingdings" panose="05000000000000000000" pitchFamily="2" charset="2"/>
+              </a:rPr>
+              <a:t> Public  commit   Boom</a:t>
+            </a:r>
+            <a:endParaRPr lang="en-US" dirty="0"/>
+          </a:p>
+        </p:txBody>
+      </p:sp>
     </p:spTree>
     <p:extLst>
       <p:ext uri="{BB962C8B-B14F-4D97-AF65-F5344CB8AC3E}">

--- a/Project_001/MEMO.pptx
+++ b/Project_001/MEMO.pptx
@@ -4055,6 +4055,36 @@
           <a:chExt cx="0" cy="0"/>
         </a:xfrm>
       </p:grpSpPr>
+      <p:pic>
+        <p:nvPicPr>
+          <p:cNvPr id="3" name="Picture 2">
+            <a:extLst>
+              <a:ext uri="{FF2B5EF4-FFF2-40B4-BE49-F238E27FC236}">
+                <a16:creationId xmlns:a16="http://schemas.microsoft.com/office/drawing/2014/main" id="{F617A4E0-CFF8-12D1-810D-6D7EB78A28C5}"/>
+              </a:ext>
+            </a:extLst>
+          </p:cNvPr>
+          <p:cNvPicPr>
+            <a:picLocks noChangeAspect="1"/>
+          </p:cNvPicPr>
+          <p:nvPr/>
+        </p:nvPicPr>
+        <p:blipFill>
+          <a:blip r:embed="rId2"/>
+          <a:stretch>
+            <a:fillRect/>
+          </a:stretch>
+        </p:blipFill>
+        <p:spPr>
+          <a:xfrm>
+            <a:off x="513588" y="294312"/>
+            <a:ext cx="11164824" cy="3581040"/>
+          </a:xfrm>
+          <a:prstGeom prst="rect">
+            <a:avLst/>
+          </a:prstGeom>
+        </p:spPr>
+      </p:pic>
     </p:spTree>
     <p:extLst>
       <p:ext uri="{BB962C8B-B14F-4D97-AF65-F5344CB8AC3E}">

--- a/Project_001/MEMO.pptx
+++ b/Project_001/MEMO.pptx
@@ -133,6 +133,51 @@
 </p:presentation>
 </file>
 
+<file path=ppt/revisionInfo.xml><?xml version="1.0" encoding="utf-8"?>
+<p1510:revInfo xmlns:a="http://schemas.openxmlformats.org/drawingml/2006/main" xmlns:r="http://schemas.openxmlformats.org/officeDocument/2006/relationships" xmlns:p1510="http://schemas.microsoft.com/office/powerpoint/2015/10/main">
+  <p1510:revLst>
+    <p1510:client id="{07D2AA09-74EC-44FE-BCA1-8C1995DA4691}" v="1" dt="2024-04-13T23:45:05.352"/>
+  </p1510:revLst>
+</p1510:revInfo>
+</file>
+
+<file path=ppt/changesInfos/changesInfo1.xml><?xml version="1.0" encoding="utf-8"?>
+<pc:chgInfo xmlns:a="http://schemas.openxmlformats.org/drawingml/2006/main" xmlns:r="http://schemas.openxmlformats.org/officeDocument/2006/relationships" xmlns:ac="http://schemas.microsoft.com/office/drawing/2013/main/command" xmlns:pc="http://schemas.microsoft.com/office/powerpoint/2013/main/command">
+  <pc:docChgLst>
+    <pc:chgData name="witaya chaison" userId="aafc0013979b2c41" providerId="LiveId" clId="{07D2AA09-74EC-44FE-BCA1-8C1995DA4691}"/>
+    <pc:docChg chg="modSld">
+      <pc:chgData name="witaya chaison" userId="aafc0013979b2c41" providerId="LiveId" clId="{07D2AA09-74EC-44FE-BCA1-8C1995DA4691}" dt="2024-04-13T23:45:47.648" v="38" actId="1076"/>
+      <pc:docMkLst>
+        <pc:docMk/>
+      </pc:docMkLst>
+      <pc:sldChg chg="addSp modSp mod">
+        <pc:chgData name="witaya chaison" userId="aafc0013979b2c41" providerId="LiveId" clId="{07D2AA09-74EC-44FE-BCA1-8C1995DA4691}" dt="2024-04-13T23:45:47.648" v="38" actId="1076"/>
+        <pc:sldMkLst>
+          <pc:docMk/>
+          <pc:sldMk cId="2613093836" sldId="260"/>
+        </pc:sldMkLst>
+        <pc:spChg chg="add mod">
+          <ac:chgData name="witaya chaison" userId="aafc0013979b2c41" providerId="LiveId" clId="{07D2AA09-74EC-44FE-BCA1-8C1995DA4691}" dt="2024-04-13T23:45:40.120" v="34" actId="1076"/>
+          <ac:spMkLst>
+            <pc:docMk/>
+            <pc:sldMk cId="2613093836" sldId="260"/>
+            <ac:spMk id="3" creationId="{0BED9D70-0F6C-AB30-90C5-2388F6B659E3}"/>
+          </ac:spMkLst>
+        </pc:spChg>
+        <pc:picChg chg="add mod">
+          <ac:chgData name="witaya chaison" userId="aafc0013979b2c41" providerId="LiveId" clId="{07D2AA09-74EC-44FE-BCA1-8C1995DA4691}" dt="2024-04-13T23:45:47.648" v="38" actId="1076"/>
+          <ac:picMkLst>
+            <pc:docMk/>
+            <pc:sldMk cId="2613093836" sldId="260"/>
+            <ac:picMk id="5" creationId="{A3526F3E-2201-40FD-E008-8064B696402D}"/>
+          </ac:picMkLst>
+        </pc:picChg>
+      </pc:sldChg>
+    </pc:docChg>
+  </pc:docChgLst>
+</pc:chgInfo>
+</file>
+
 <file path=ppt/slideLayouts/slideLayout1.xml><?xml version="1.0" encoding="utf-8"?>
 <p:sldLayout xmlns:a="http://schemas.openxmlformats.org/drawingml/2006/main" xmlns:r="http://schemas.openxmlformats.org/officeDocument/2006/relationships" xmlns:p="http://schemas.openxmlformats.org/presentationml/2006/main" type="title" preserve="1">
   <p:cSld name="Title Slide">
@@ -280,7 +325,7 @@
           <a:p>
             <a:fld id="{A36B620E-6A32-4FF7-8671-C81ED3527D22}" type="datetimeFigureOut">
               <a:rPr lang="en-US" smtClean="0"/>
-              <a:t>4/2/2024</a:t>
+              <a:t>4/14/2024</a:t>
             </a:fld>
             <a:endParaRPr lang="en-US"/>
           </a:p>
@@ -478,7 +523,7 @@
           <a:p>
             <a:fld id="{A36B620E-6A32-4FF7-8671-C81ED3527D22}" type="datetimeFigureOut">
               <a:rPr lang="en-US" smtClean="0"/>
-              <a:t>4/2/2024</a:t>
+              <a:t>4/14/2024</a:t>
             </a:fld>
             <a:endParaRPr lang="en-US"/>
           </a:p>
@@ -686,7 +731,7 @@
           <a:p>
             <a:fld id="{A36B620E-6A32-4FF7-8671-C81ED3527D22}" type="datetimeFigureOut">
               <a:rPr lang="en-US" smtClean="0"/>
-              <a:t>4/2/2024</a:t>
+              <a:t>4/14/2024</a:t>
             </a:fld>
             <a:endParaRPr lang="en-US"/>
           </a:p>
@@ -884,7 +929,7 @@
           <a:p>
             <a:fld id="{A36B620E-6A32-4FF7-8671-C81ED3527D22}" type="datetimeFigureOut">
               <a:rPr lang="en-US" smtClean="0"/>
-              <a:t>4/2/2024</a:t>
+              <a:t>4/14/2024</a:t>
             </a:fld>
             <a:endParaRPr lang="en-US"/>
           </a:p>
@@ -1159,7 +1204,7 @@
           <a:p>
             <a:fld id="{A36B620E-6A32-4FF7-8671-C81ED3527D22}" type="datetimeFigureOut">
               <a:rPr lang="en-US" smtClean="0"/>
-              <a:t>4/2/2024</a:t>
+              <a:t>4/14/2024</a:t>
             </a:fld>
             <a:endParaRPr lang="en-US"/>
           </a:p>
@@ -1424,7 +1469,7 @@
           <a:p>
             <a:fld id="{A36B620E-6A32-4FF7-8671-C81ED3527D22}" type="datetimeFigureOut">
               <a:rPr lang="en-US" smtClean="0"/>
-              <a:t>4/2/2024</a:t>
+              <a:t>4/14/2024</a:t>
             </a:fld>
             <a:endParaRPr lang="en-US"/>
           </a:p>
@@ -1836,7 +1881,7 @@
           <a:p>
             <a:fld id="{A36B620E-6A32-4FF7-8671-C81ED3527D22}" type="datetimeFigureOut">
               <a:rPr lang="en-US" smtClean="0"/>
-              <a:t>4/2/2024</a:t>
+              <a:t>4/14/2024</a:t>
             </a:fld>
             <a:endParaRPr lang="en-US"/>
           </a:p>
@@ -1977,7 +2022,7 @@
           <a:p>
             <a:fld id="{A36B620E-6A32-4FF7-8671-C81ED3527D22}" type="datetimeFigureOut">
               <a:rPr lang="en-US" smtClean="0"/>
-              <a:t>4/2/2024</a:t>
+              <a:t>4/14/2024</a:t>
             </a:fld>
             <a:endParaRPr lang="en-US"/>
           </a:p>
@@ -2090,7 +2135,7 @@
           <a:p>
             <a:fld id="{A36B620E-6A32-4FF7-8671-C81ED3527D22}" type="datetimeFigureOut">
               <a:rPr lang="en-US" smtClean="0"/>
-              <a:t>4/2/2024</a:t>
+              <a:t>4/14/2024</a:t>
             </a:fld>
             <a:endParaRPr lang="en-US"/>
           </a:p>
@@ -2401,7 +2446,7 @@
           <a:p>
             <a:fld id="{A36B620E-6A32-4FF7-8671-C81ED3527D22}" type="datetimeFigureOut">
               <a:rPr lang="en-US" smtClean="0"/>
-              <a:t>4/2/2024</a:t>
+              <a:t>4/14/2024</a:t>
             </a:fld>
             <a:endParaRPr lang="en-US"/>
           </a:p>
@@ -2689,7 +2734,7 @@
           <a:p>
             <a:fld id="{A36B620E-6A32-4FF7-8671-C81ED3527D22}" type="datetimeFigureOut">
               <a:rPr lang="en-US" smtClean="0"/>
-              <a:t>4/2/2024</a:t>
+              <a:t>4/14/2024</a:t>
             </a:fld>
             <a:endParaRPr lang="en-US"/>
           </a:p>
@@ -2930,7 +2975,7 @@
           <a:p>
             <a:fld id="{A36B620E-6A32-4FF7-8671-C81ED3527D22}" type="datetimeFigureOut">
               <a:rPr lang="en-US" smtClean="0"/>
-              <a:t>4/2/2024</a:t>
+              <a:t>4/14/2024</a:t>
             </a:fld>
             <a:endParaRPr lang="en-US"/>
           </a:p>
@@ -4115,6 +4160,88 @@
           <a:chExt cx="0" cy="0"/>
         </a:xfrm>
       </p:grpSpPr>
+      <p:sp>
+        <p:nvSpPr>
+          <p:cNvPr id="3" name="TextBox 2">
+            <a:extLst>
+              <a:ext uri="{FF2B5EF4-FFF2-40B4-BE49-F238E27FC236}">
+                <a16:creationId xmlns:a16="http://schemas.microsoft.com/office/drawing/2014/main" id="{0BED9D70-0F6C-AB30-90C5-2388F6B659E3}"/>
+              </a:ext>
+            </a:extLst>
+          </p:cNvPr>
+          <p:cNvSpPr txBox="1"/>
+          <p:nvPr/>
+        </p:nvSpPr>
+        <p:spPr>
+          <a:xfrm>
+            <a:off x="2297430" y="208526"/>
+            <a:ext cx="6094476" cy="923330"/>
+          </a:xfrm>
+          <a:prstGeom prst="rect">
+            <a:avLst/>
+          </a:prstGeom>
+          <a:noFill/>
+        </p:spPr>
+        <p:txBody>
+          <a:bodyPr wrap="square">
+            <a:spAutoFit/>
+          </a:bodyPr>
+          <a:lstStyle/>
+          <a:p>
+            <a:r>
+              <a:rPr lang="en-US" dirty="0">
+                <a:hlinkClick r:id="rId2"/>
+              </a:rPr>
+              <a:t>https://www.youtube.com/watch?v=JD-age0BPVo</a:t>
+            </a:r>
+            <a:endParaRPr lang="en-US" dirty="0"/>
+          </a:p>
+          <a:p>
+            <a:endParaRPr lang="en-US" dirty="0"/>
+          </a:p>
+          <a:p>
+            <a:r>
+              <a:rPr lang="en-US" dirty="0"/>
+              <a:t>Link project / Tech with </a:t>
+            </a:r>
+            <a:r>
+              <a:rPr lang="en-US" dirty="0" err="1"/>
+              <a:t>tim</a:t>
+            </a:r>
+            <a:endParaRPr lang="en-US" dirty="0"/>
+          </a:p>
+        </p:txBody>
+      </p:sp>
+      <p:pic>
+        <p:nvPicPr>
+          <p:cNvPr id="5" name="Picture 4">
+            <a:extLst>
+              <a:ext uri="{FF2B5EF4-FFF2-40B4-BE49-F238E27FC236}">
+                <a16:creationId xmlns:a16="http://schemas.microsoft.com/office/drawing/2014/main" id="{A3526F3E-2201-40FD-E008-8064B696402D}"/>
+              </a:ext>
+            </a:extLst>
+          </p:cNvPr>
+          <p:cNvPicPr>
+            <a:picLocks noChangeAspect="1"/>
+          </p:cNvPicPr>
+          <p:nvPr/>
+        </p:nvPicPr>
+        <p:blipFill>
+          <a:blip r:embed="rId3"/>
+          <a:stretch>
+            <a:fillRect/>
+          </a:stretch>
+        </p:blipFill>
+        <p:spPr>
+          <a:xfrm>
+            <a:off x="859535" y="1344168"/>
+            <a:ext cx="9299725" cy="5129783"/>
+          </a:xfrm>
+          <a:prstGeom prst="rect">
+            <a:avLst/>
+          </a:prstGeom>
+        </p:spPr>
+      </p:pic>
     </p:spTree>
     <p:extLst>
       <p:ext uri="{BB962C8B-B14F-4D97-AF65-F5344CB8AC3E}">

--- a/Project_001/MEMO.pptx
+++ b/Project_001/MEMO.pptx
@@ -133,6 +133,82 @@
 </p:presentation>
 </file>
 
+<file path=ppt/revisionInfo.xml><?xml version="1.0" encoding="utf-8"?>
+<p1510:revInfo xmlns:a="http://schemas.openxmlformats.org/drawingml/2006/main" xmlns:r="http://schemas.openxmlformats.org/officeDocument/2006/relationships" xmlns:p1510="http://schemas.microsoft.com/office/powerpoint/2015/10/main">
+  <p1510:revLst>
+    <p1510:client id="{07D2AA09-74EC-44FE-BCA1-8C1995DA4691}" v="2" dt="2024-04-14T02:55:16.972"/>
+  </p1510:revLst>
+</p1510:revInfo>
+</file>
+
+<file path=ppt/changesInfos/changesInfo1.xml><?xml version="1.0" encoding="utf-8"?>
+<pc:chgInfo xmlns:a="http://schemas.openxmlformats.org/drawingml/2006/main" xmlns:r="http://schemas.openxmlformats.org/officeDocument/2006/relationships" xmlns:ac="http://schemas.microsoft.com/office/drawing/2013/main/command" xmlns:pc="http://schemas.microsoft.com/office/powerpoint/2013/main/command">
+  <pc:docChgLst>
+    <pc:chgData name="witaya chaison" userId="aafc0013979b2c41" providerId="LiveId" clId="{07D2AA09-74EC-44FE-BCA1-8C1995DA4691}"/>
+    <pc:docChg chg="modSld">
+      <pc:chgData name="witaya chaison" userId="aafc0013979b2c41" providerId="LiveId" clId="{07D2AA09-74EC-44FE-BCA1-8C1995DA4691}" dt="2024-04-14T02:55:40.073" v="69" actId="20577"/>
+      <pc:docMkLst>
+        <pc:docMk/>
+      </pc:docMkLst>
+      <pc:sldChg chg="addSp modSp mod">
+        <pc:chgData name="witaya chaison" userId="aafc0013979b2c41" providerId="LiveId" clId="{07D2AA09-74EC-44FE-BCA1-8C1995DA4691}" dt="2024-04-14T02:55:40.073" v="69" actId="20577"/>
+        <pc:sldMkLst>
+          <pc:docMk/>
+          <pc:sldMk cId="836147787" sldId="258"/>
+        </pc:sldMkLst>
+        <pc:spChg chg="add mod">
+          <ac:chgData name="witaya chaison" userId="aafc0013979b2c41" providerId="LiveId" clId="{07D2AA09-74EC-44FE-BCA1-8C1995DA4691}" dt="2024-04-14T02:55:40.073" v="69" actId="20577"/>
+          <ac:spMkLst>
+            <pc:docMk/>
+            <pc:sldMk cId="836147787" sldId="258"/>
+            <ac:spMk id="8" creationId="{86F713C8-45DB-9D22-FB74-EE9009A33575}"/>
+          </ac:spMkLst>
+        </pc:spChg>
+        <pc:picChg chg="add mod">
+          <ac:chgData name="witaya chaison" userId="aafc0013979b2c41" providerId="LiveId" clId="{07D2AA09-74EC-44FE-BCA1-8C1995DA4691}" dt="2024-04-14T02:55:05.892" v="41" actId="1076"/>
+          <ac:picMkLst>
+            <pc:docMk/>
+            <pc:sldMk cId="836147787" sldId="258"/>
+            <ac:picMk id="5" creationId="{729700D7-3CE3-19B4-3CEC-92A814336AB0}"/>
+          </ac:picMkLst>
+        </pc:picChg>
+        <pc:cxnChg chg="add">
+          <ac:chgData name="witaya chaison" userId="aafc0013979b2c41" providerId="LiveId" clId="{07D2AA09-74EC-44FE-BCA1-8C1995DA4691}" dt="2024-04-14T02:55:14.377" v="42" actId="11529"/>
+          <ac:cxnSpMkLst>
+            <pc:docMk/>
+            <pc:sldMk cId="836147787" sldId="258"/>
+            <ac:cxnSpMk id="7" creationId="{E4090276-E748-829F-49E3-F2B0FF2EEB87}"/>
+          </ac:cxnSpMkLst>
+        </pc:cxnChg>
+      </pc:sldChg>
+      <pc:sldChg chg="addSp modSp mod">
+        <pc:chgData name="witaya chaison" userId="aafc0013979b2c41" providerId="LiveId" clId="{07D2AA09-74EC-44FE-BCA1-8C1995DA4691}" dt="2024-04-13T23:45:47.648" v="38" actId="1076"/>
+        <pc:sldMkLst>
+          <pc:docMk/>
+          <pc:sldMk cId="2613093836" sldId="260"/>
+        </pc:sldMkLst>
+        <pc:spChg chg="add mod">
+          <ac:chgData name="witaya chaison" userId="aafc0013979b2c41" providerId="LiveId" clId="{07D2AA09-74EC-44FE-BCA1-8C1995DA4691}" dt="2024-04-13T23:45:40.120" v="34" actId="1076"/>
+          <ac:spMkLst>
+            <pc:docMk/>
+            <pc:sldMk cId="2613093836" sldId="260"/>
+            <ac:spMk id="3" creationId="{0BED9D70-0F6C-AB30-90C5-2388F6B659E3}"/>
+          </ac:spMkLst>
+        </pc:spChg>
+        <pc:picChg chg="add mod">
+          <ac:chgData name="witaya chaison" userId="aafc0013979b2c41" providerId="LiveId" clId="{07D2AA09-74EC-44FE-BCA1-8C1995DA4691}" dt="2024-04-13T23:45:47.648" v="38" actId="1076"/>
+          <ac:picMkLst>
+            <pc:docMk/>
+            <pc:sldMk cId="2613093836" sldId="260"/>
+            <ac:picMk id="5" creationId="{A3526F3E-2201-40FD-E008-8064B696402D}"/>
+          </ac:picMkLst>
+        </pc:picChg>
+      </pc:sldChg>
+    </pc:docChg>
+  </pc:docChgLst>
+</pc:chgInfo>
+</file>
+
 <file path=ppt/slideLayouts/slideLayout1.xml><?xml version="1.0" encoding="utf-8"?>
 <p:sldLayout xmlns:a="http://schemas.openxmlformats.org/drawingml/2006/main" xmlns:r="http://schemas.openxmlformats.org/officeDocument/2006/relationships" xmlns:p="http://schemas.openxmlformats.org/presentationml/2006/main" type="title" preserve="1">
   <p:cSld name="Title Slide">
@@ -280,7 +356,7 @@
           <a:p>
             <a:fld id="{A36B620E-6A32-4FF7-8671-C81ED3527D22}" type="datetimeFigureOut">
               <a:rPr lang="en-US" smtClean="0"/>
-              <a:t>4/2/2024</a:t>
+              <a:t>4/14/2024</a:t>
             </a:fld>
             <a:endParaRPr lang="en-US"/>
           </a:p>
@@ -478,7 +554,7 @@
           <a:p>
             <a:fld id="{A36B620E-6A32-4FF7-8671-C81ED3527D22}" type="datetimeFigureOut">
               <a:rPr lang="en-US" smtClean="0"/>
-              <a:t>4/2/2024</a:t>
+              <a:t>4/14/2024</a:t>
             </a:fld>
             <a:endParaRPr lang="en-US"/>
           </a:p>
@@ -686,7 +762,7 @@
           <a:p>
             <a:fld id="{A36B620E-6A32-4FF7-8671-C81ED3527D22}" type="datetimeFigureOut">
               <a:rPr lang="en-US" smtClean="0"/>
-              <a:t>4/2/2024</a:t>
+              <a:t>4/14/2024</a:t>
             </a:fld>
             <a:endParaRPr lang="en-US"/>
           </a:p>
@@ -884,7 +960,7 @@
           <a:p>
             <a:fld id="{A36B620E-6A32-4FF7-8671-C81ED3527D22}" type="datetimeFigureOut">
               <a:rPr lang="en-US" smtClean="0"/>
-              <a:t>4/2/2024</a:t>
+              <a:t>4/14/2024</a:t>
             </a:fld>
             <a:endParaRPr lang="en-US"/>
           </a:p>
@@ -1159,7 +1235,7 @@
           <a:p>
             <a:fld id="{A36B620E-6A32-4FF7-8671-C81ED3527D22}" type="datetimeFigureOut">
               <a:rPr lang="en-US" smtClean="0"/>
-              <a:t>4/2/2024</a:t>
+              <a:t>4/14/2024</a:t>
             </a:fld>
             <a:endParaRPr lang="en-US"/>
           </a:p>
@@ -1424,7 +1500,7 @@
           <a:p>
             <a:fld id="{A36B620E-6A32-4FF7-8671-C81ED3527D22}" type="datetimeFigureOut">
               <a:rPr lang="en-US" smtClean="0"/>
-              <a:t>4/2/2024</a:t>
+              <a:t>4/14/2024</a:t>
             </a:fld>
             <a:endParaRPr lang="en-US"/>
           </a:p>
@@ -1836,7 +1912,7 @@
           <a:p>
             <a:fld id="{A36B620E-6A32-4FF7-8671-C81ED3527D22}" type="datetimeFigureOut">
               <a:rPr lang="en-US" smtClean="0"/>
-              <a:t>4/2/2024</a:t>
+              <a:t>4/14/2024</a:t>
             </a:fld>
             <a:endParaRPr lang="en-US"/>
           </a:p>
@@ -1977,7 +2053,7 @@
           <a:p>
             <a:fld id="{A36B620E-6A32-4FF7-8671-C81ED3527D22}" type="datetimeFigureOut">
               <a:rPr lang="en-US" smtClean="0"/>
-              <a:t>4/2/2024</a:t>
+              <a:t>4/14/2024</a:t>
             </a:fld>
             <a:endParaRPr lang="en-US"/>
           </a:p>
@@ -2090,7 +2166,7 @@
           <a:p>
             <a:fld id="{A36B620E-6A32-4FF7-8671-C81ED3527D22}" type="datetimeFigureOut">
               <a:rPr lang="en-US" smtClean="0"/>
-              <a:t>4/2/2024</a:t>
+              <a:t>4/14/2024</a:t>
             </a:fld>
             <a:endParaRPr lang="en-US"/>
           </a:p>
@@ -2401,7 +2477,7 @@
           <a:p>
             <a:fld id="{A36B620E-6A32-4FF7-8671-C81ED3527D22}" type="datetimeFigureOut">
               <a:rPr lang="en-US" smtClean="0"/>
-              <a:t>4/2/2024</a:t>
+              <a:t>4/14/2024</a:t>
             </a:fld>
             <a:endParaRPr lang="en-US"/>
           </a:p>
@@ -2689,7 +2765,7 @@
           <a:p>
             <a:fld id="{A36B620E-6A32-4FF7-8671-C81ED3527D22}" type="datetimeFigureOut">
               <a:rPr lang="en-US" smtClean="0"/>
-              <a:t>4/2/2024</a:t>
+              <a:t>4/14/2024</a:t>
             </a:fld>
             <a:endParaRPr lang="en-US"/>
           </a:p>
@@ -2930,7 +3006,7 @@
           <a:p>
             <a:fld id="{A36B620E-6A32-4FF7-8671-C81ED3527D22}" type="datetimeFigureOut">
               <a:rPr lang="en-US" smtClean="0"/>
-              <a:t>4/2/2024</a:t>
+              <a:t>4/14/2024</a:t>
             </a:fld>
             <a:endParaRPr lang="en-US"/>
           </a:p>
@@ -4025,6 +4101,115 @@
           </a:p>
         </p:txBody>
       </p:sp>
+      <p:pic>
+        <p:nvPicPr>
+          <p:cNvPr id="5" name="Picture 4">
+            <a:extLst>
+              <a:ext uri="{FF2B5EF4-FFF2-40B4-BE49-F238E27FC236}">
+                <a16:creationId xmlns:a16="http://schemas.microsoft.com/office/drawing/2014/main" id="{729700D7-3CE3-19B4-3CEC-92A814336AB0}"/>
+              </a:ext>
+            </a:extLst>
+          </p:cNvPr>
+          <p:cNvPicPr>
+            <a:picLocks noChangeAspect="1"/>
+          </p:cNvPicPr>
+          <p:nvPr/>
+        </p:nvPicPr>
+        <p:blipFill>
+          <a:blip r:embed="rId3"/>
+          <a:stretch>
+            <a:fillRect/>
+          </a:stretch>
+        </p:blipFill>
+        <p:spPr>
+          <a:xfrm>
+            <a:off x="7132320" y="292608"/>
+            <a:ext cx="4446050" cy="2237133"/>
+          </a:xfrm>
+          <a:prstGeom prst="rect">
+            <a:avLst/>
+          </a:prstGeom>
+        </p:spPr>
+      </p:pic>
+      <p:cxnSp>
+        <p:nvCxnSpPr>
+          <p:cNvPr id="7" name="Straight Arrow Connector 6">
+            <a:extLst>
+              <a:ext uri="{FF2B5EF4-FFF2-40B4-BE49-F238E27FC236}">
+                <a16:creationId xmlns:a16="http://schemas.microsoft.com/office/drawing/2014/main" id="{E4090276-E748-829F-49E3-F2B0FF2EEB87}"/>
+              </a:ext>
+            </a:extLst>
+          </p:cNvPr>
+          <p:cNvCxnSpPr/>
+          <p:nvPr/>
+        </p:nvCxnSpPr>
+        <p:spPr>
+          <a:xfrm flipH="1">
+            <a:off x="2606040" y="938939"/>
+            <a:ext cx="5806440" cy="3194149"/>
+          </a:xfrm>
+          <a:prstGeom prst="straightConnector1">
+            <a:avLst/>
+          </a:prstGeom>
+          <a:ln>
+            <a:tailEnd type="triangle"/>
+          </a:ln>
+        </p:spPr>
+        <p:style>
+          <a:lnRef idx="1">
+            <a:schemeClr val="accent1"/>
+          </a:lnRef>
+          <a:fillRef idx="0">
+            <a:schemeClr val="accent1"/>
+          </a:fillRef>
+          <a:effectRef idx="0">
+            <a:schemeClr val="accent1"/>
+          </a:effectRef>
+          <a:fontRef idx="minor">
+            <a:schemeClr val="tx1"/>
+          </a:fontRef>
+        </p:style>
+      </p:cxnSp>
+      <p:sp>
+        <p:nvSpPr>
+          <p:cNvPr id="8" name="TextBox 7">
+            <a:extLst>
+              <a:ext uri="{FF2B5EF4-FFF2-40B4-BE49-F238E27FC236}">
+                <a16:creationId xmlns:a16="http://schemas.microsoft.com/office/drawing/2014/main" id="{86F713C8-45DB-9D22-FB74-EE9009A33575}"/>
+              </a:ext>
+            </a:extLst>
+          </p:cNvPr>
+          <p:cNvSpPr txBox="1"/>
+          <p:nvPr/>
+        </p:nvSpPr>
+        <p:spPr>
+          <a:xfrm>
+            <a:off x="1284437" y="4130195"/>
+            <a:ext cx="2669449" cy="369332"/>
+          </a:xfrm>
+          <a:prstGeom prst="rect">
+            <a:avLst/>
+          </a:prstGeom>
+          <a:noFill/>
+        </p:spPr>
+        <p:txBody>
+          <a:bodyPr wrap="none" rtlCol="0">
+            <a:spAutoFit/>
+          </a:bodyPr>
+          <a:lstStyle/>
+          <a:p>
+            <a:r>
+              <a:rPr lang="en-US" dirty="0"/>
+              <a:t>Django-React  on </a:t>
+            </a:r>
+            <a:r>
+              <a:rPr lang="en-US" dirty="0" err="1"/>
+              <a:t>onedrive</a:t>
+            </a:r>
+            <a:endParaRPr lang="en-US" dirty="0"/>
+          </a:p>
+        </p:txBody>
+      </p:sp>
     </p:spTree>
     <p:extLst>
       <p:ext uri="{BB962C8B-B14F-4D97-AF65-F5344CB8AC3E}">
@@ -4115,6 +4300,88 @@
           <a:chExt cx="0" cy="0"/>
         </a:xfrm>
       </p:grpSpPr>
+      <p:sp>
+        <p:nvSpPr>
+          <p:cNvPr id="3" name="TextBox 2">
+            <a:extLst>
+              <a:ext uri="{FF2B5EF4-FFF2-40B4-BE49-F238E27FC236}">
+                <a16:creationId xmlns:a16="http://schemas.microsoft.com/office/drawing/2014/main" id="{0BED9D70-0F6C-AB30-90C5-2388F6B659E3}"/>
+              </a:ext>
+            </a:extLst>
+          </p:cNvPr>
+          <p:cNvSpPr txBox="1"/>
+          <p:nvPr/>
+        </p:nvSpPr>
+        <p:spPr>
+          <a:xfrm>
+            <a:off x="2297430" y="208526"/>
+            <a:ext cx="6094476" cy="923330"/>
+          </a:xfrm>
+          <a:prstGeom prst="rect">
+            <a:avLst/>
+          </a:prstGeom>
+          <a:noFill/>
+        </p:spPr>
+        <p:txBody>
+          <a:bodyPr wrap="square">
+            <a:spAutoFit/>
+          </a:bodyPr>
+          <a:lstStyle/>
+          <a:p>
+            <a:r>
+              <a:rPr lang="en-US" dirty="0">
+                <a:hlinkClick r:id="rId2"/>
+              </a:rPr>
+              <a:t>https://www.youtube.com/watch?v=JD-age0BPVo</a:t>
+            </a:r>
+            <a:endParaRPr lang="en-US" dirty="0"/>
+          </a:p>
+          <a:p>
+            <a:endParaRPr lang="en-US" dirty="0"/>
+          </a:p>
+          <a:p>
+            <a:r>
+              <a:rPr lang="en-US" dirty="0"/>
+              <a:t>Link project / Tech with </a:t>
+            </a:r>
+            <a:r>
+              <a:rPr lang="en-US" dirty="0" err="1"/>
+              <a:t>tim</a:t>
+            </a:r>
+            <a:endParaRPr lang="en-US" dirty="0"/>
+          </a:p>
+        </p:txBody>
+      </p:sp>
+      <p:pic>
+        <p:nvPicPr>
+          <p:cNvPr id="5" name="Picture 4">
+            <a:extLst>
+              <a:ext uri="{FF2B5EF4-FFF2-40B4-BE49-F238E27FC236}">
+                <a16:creationId xmlns:a16="http://schemas.microsoft.com/office/drawing/2014/main" id="{A3526F3E-2201-40FD-E008-8064B696402D}"/>
+              </a:ext>
+            </a:extLst>
+          </p:cNvPr>
+          <p:cNvPicPr>
+            <a:picLocks noChangeAspect="1"/>
+          </p:cNvPicPr>
+          <p:nvPr/>
+        </p:nvPicPr>
+        <p:blipFill>
+          <a:blip r:embed="rId3"/>
+          <a:stretch>
+            <a:fillRect/>
+          </a:stretch>
+        </p:blipFill>
+        <p:spPr>
+          <a:xfrm>
+            <a:off x="859535" y="1344168"/>
+            <a:ext cx="9299725" cy="5129783"/>
+          </a:xfrm>
+          <a:prstGeom prst="rect">
+            <a:avLst/>
+          </a:prstGeom>
+        </p:spPr>
+      </p:pic>
     </p:spTree>
     <p:extLst>
       <p:ext uri="{BB962C8B-B14F-4D97-AF65-F5344CB8AC3E}">
